--- a/ICE Proposal Wireframes v11.pptx
+++ b/ICE Proposal Wireframes v11.pptx
@@ -13194,6 +13194,8 @@
                 <a:solidFill>
                   <a:srgbClr val="FF0000"/>
                 </a:solidFill>
+                <a:latin typeface="Arial" panose="020B0604020202020204" pitchFamily="34" charset="0"/>
+                <a:cs typeface="Arial" panose="020B0604020202020204" pitchFamily="34" charset="0"/>
               </a:rPr>
               <a:t>Shown Below is Special Agent: Destination After Login,  Viewing Dashboard</a:t>
             </a:r>
@@ -16061,7 +16063,7 @@
                 <a:latin typeface="Arial" panose="020B0604020202020204" pitchFamily="34" charset="0"/>
                 <a:cs typeface="Arial" panose="020B0604020202020204" pitchFamily="34" charset="0"/>
               </a:rPr>
-              <a:t>After Clicking “Report Date Training Finished”</a:t>
+              <a:t>Shown Below is Special Agent: After Clicking “Report Date Training Finished”</a:t>
             </a:r>
           </a:p>
         </p:txBody>
@@ -17385,7 +17387,7 @@
                 <a:latin typeface="Arial" panose="020B0604020202020204" pitchFamily="34" charset="0"/>
                 <a:cs typeface="Arial" panose="020B0604020202020204" pitchFamily="34" charset="0"/>
               </a:rPr>
-              <a:t>After Clicking “Submit Degree Info and Documentation”</a:t>
+              <a:t>Shown Below is Special Agent: After Clicking “Submit Degree Info and Documentation”</a:t>
             </a:r>
           </a:p>
         </p:txBody>
